--- a/docs/Предварительная оценка успешности учащихся на курсе.pptx
+++ b/docs/Предварительная оценка успешности учащихся на курсе.pptx
@@ -4388,11 +4388,7 @@
           <a:p>
             <a:r>
               <a:rPr lang="ru-RU" dirty="0" smtClean="0"/>
-              <a:t>Здесь я привожу процесс подготовки данных и то, как пользователь видит обучение машины (оно, как и многие другие вещи, скрыто и является чёрным ящиком) в виде блох-схемы средней степени подробности (то есть не сводящейся к общим инструкциям, но и не описывающую полную систему библиотечных функций). Большая часть процессов помечена как «предопределённый процесс», так как являются либо библиотечной функцией-«чёрным ящиком», либо комбинацией таких функций. Файл блок-схемы также доступен в векторном формате SVG</a:t>
-            </a:r>
-            <a:r>
-              <a:rPr lang="ru-RU" dirty="0" smtClean="0"/>
-              <a:t>.</a:t>
+              <a:t>Здесь я привожу процесс подготовки данных и то, как пользователь видит обучение машины (оно, как и многие другие вещи, скрыто и является чёрным ящиком) в виде блох-схемы средней степени подробности (то есть не сводящейся к общим инструкциям, но и не описывающую полную систему библиотечных функций). Большая часть процессов помечена как «предопределённый процесс», так как являются либо библиотечной функцией-«чёрным ящиком», либо комбинацией таких функций. Файл блок-схемы также доступен в векторном формате SVG.</a:t>
             </a:r>
             <a:endParaRPr lang="en-US" dirty="0" smtClean="0"/>
           </a:p>
@@ -4887,13 +4883,8 @@
           <a:p>
             <a:r>
               <a:rPr lang="ru-RU" dirty="0" smtClean="0"/>
-              <a:t>Вторая работа — мой текущий проект. Этот проект является модификацией старого относительно нового формата данных и способа обработки этих данных, но идеологически он мало чем отличается от предыдущего. К сожалению, моя модель пока не применялась на практике серьёзно (только оценивалась на существующих данных). Он должен пройти дополнительную проверку, что пока невозможно из-за малого количества новых данных, и одобрение заказчика на его внедрение</a:t>
-            </a:r>
-            <a:r>
-              <a:rPr lang="ru-RU" dirty="0" smtClean="0"/>
-              <a:t>.</a:t>
-            </a:r>
-            <a:endParaRPr lang="ru-RU" dirty="0" smtClean="0"/>
+              <a:t>Вторая работа — мой текущий проект. Этот проект является модификацией старого относительно нового формата данных и способа обработки этих данных, но идеологически он мало чем отличается от предыдущего. К сожалению, моя модель пока не применялась на практике серьёзно (только оценивалась на существующих данных). Он должен пройти дополнительную проверку, что пока невозможно из-за малого количества новых данных, и одобрение заказчика на его внедрение.</a:t>
+            </a:r>
           </a:p>
         </p:txBody>
       </p:sp>
@@ -5070,6 +5061,16 @@
               <a:rPr lang="ru-RU" dirty="0" smtClean="0"/>
               <a:t>:</a:t>
             </a:r>
+            <a:r>
+              <a:rPr lang="en-US" smtClean="0"/>
+              <a:t> </a:t>
+            </a:r>
+            <a:r>
+              <a:rPr lang="en-US" smtClean="0">
+                <a:hlinkClick r:id="rId3"/>
+              </a:rPr>
+              <a:t>https://github.com/MichYar/GreatChallenges-2020</a:t>
+            </a:r>
             <a:endParaRPr lang="ru-RU" dirty="0"/>
           </a:p>
         </p:txBody>
@@ -5077,30 +5078,6 @@
       <p:pic>
         <p:nvPicPr>
           <p:cNvPr id="5" name="Рисунок 4" descr="Jupyter_logo.png"/>
-          <p:cNvPicPr>
-            <a:picLocks noChangeAspect="1"/>
-          </p:cNvPicPr>
-          <p:nvPr/>
-        </p:nvPicPr>
-        <p:blipFill>
-          <a:blip r:embed="rId3" cstate="print"/>
-          <a:stretch>
-            <a:fillRect/>
-          </a:stretch>
-        </p:blipFill>
-        <p:spPr>
-          <a:xfrm>
-            <a:off x="357158" y="1142984"/>
-            <a:ext cx="1143010" cy="1338858"/>
-          </a:xfrm>
-          <a:prstGeom prst="rect">
-            <a:avLst/>
-          </a:prstGeom>
-        </p:spPr>
-      </p:pic>
-      <p:pic>
-        <p:nvPicPr>
-          <p:cNvPr id="7" name="Рисунок 6" descr="Pandas_logo.png"/>
           <p:cNvPicPr>
             <a:picLocks noChangeAspect="1"/>
           </p:cNvPicPr>
@@ -5114,8 +5091,8 @@
         </p:blipFill>
         <p:spPr>
           <a:xfrm>
-            <a:off x="3857620" y="5286388"/>
-            <a:ext cx="3914810" cy="1156377"/>
+            <a:off x="357158" y="1142984"/>
+            <a:ext cx="1143010" cy="1338858"/>
           </a:xfrm>
           <a:prstGeom prst="rect">
             <a:avLst/>
@@ -5124,7 +5101,7 @@
       </p:pic>
       <p:pic>
         <p:nvPicPr>
-          <p:cNvPr id="8" name="Рисунок 7" descr="Python-logo-notext.png"/>
+          <p:cNvPr id="7" name="Рисунок 6" descr="Pandas_logo.png"/>
           <p:cNvPicPr>
             <a:picLocks noChangeAspect="1"/>
           </p:cNvPicPr>
@@ -5138,8 +5115,8 @@
         </p:blipFill>
         <p:spPr>
           <a:xfrm>
-            <a:off x="2928926" y="2285992"/>
-            <a:ext cx="1402845" cy="1395225"/>
+            <a:off x="3857620" y="5286388"/>
+            <a:ext cx="3914810" cy="1156377"/>
           </a:xfrm>
           <a:prstGeom prst="rect">
             <a:avLst/>
@@ -5148,7 +5125,7 @@
       </p:pic>
       <p:pic>
         <p:nvPicPr>
-          <p:cNvPr id="9" name="Рисунок 8" descr="Scikit_learn_logo_small.png"/>
+          <p:cNvPr id="8" name="Рисунок 7" descr="Python-logo-notext.png"/>
           <p:cNvPicPr>
             <a:picLocks noChangeAspect="1"/>
           </p:cNvPicPr>
@@ -5162,6 +5139,30 @@
         </p:blipFill>
         <p:spPr>
           <a:xfrm>
+            <a:off x="2928926" y="2285992"/>
+            <a:ext cx="1402845" cy="1395225"/>
+          </a:xfrm>
+          <a:prstGeom prst="rect">
+            <a:avLst/>
+          </a:prstGeom>
+        </p:spPr>
+      </p:pic>
+      <p:pic>
+        <p:nvPicPr>
+          <p:cNvPr id="9" name="Рисунок 8" descr="Scikit_learn_logo_small.png"/>
+          <p:cNvPicPr>
+            <a:picLocks noChangeAspect="1"/>
+          </p:cNvPicPr>
+          <p:nvPr/>
+        </p:nvPicPr>
+        <p:blipFill>
+          <a:blip r:embed="rId7" cstate="print"/>
+          <a:stretch>
+            <a:fillRect/>
+          </a:stretch>
+        </p:blipFill>
+        <p:spPr>
+          <a:xfrm>
             <a:off x="1928794" y="571480"/>
             <a:ext cx="2641859" cy="1424943"/>
           </a:xfrm>
@@ -5179,7 +5180,7 @@
           <p:nvPr/>
         </p:nvPicPr>
         <p:blipFill>
-          <a:blip r:embed="rId7" cstate="print"/>
+          <a:blip r:embed="rId8" cstate="print"/>
           <a:stretch>
             <a:fillRect/>
           </a:stretch>
@@ -5688,13 +5689,8 @@
             </a:r>
             <a:r>
               <a:rPr lang="ru-RU" dirty="0" smtClean="0"/>
-              <a:t> (англ. Наука о Данных, или данные как наука), т.е. обработке данных, извлечению из них нужной информации, обучению на ней машинных моделей для получения предсказаний и т.д. Так что этот проект будет полезен не только конечному заказчику, но и работникам, вовлечённым в проект</a:t>
-            </a:r>
-            <a:r>
-              <a:rPr lang="ru-RU" dirty="0" smtClean="0"/>
-              <a:t>.</a:t>
-            </a:r>
-            <a:endParaRPr lang="ru-RU" dirty="0" smtClean="0"/>
+              <a:t> (англ. Наука о Данных, или данные как наука), т.е. обработке данных, извлечению из них нужной информации, обучению на ней машинных моделей для получения предсказаний и т.д. Так что этот проект будет полезен не только конечному заказчику, но и работникам, вовлечённым в проект.</a:t>
+            </a:r>
           </a:p>
         </p:txBody>
       </p:sp>
